--- a/presentations/six-slide-sprint.pptx
+++ b/presentations/six-slide-sprint.pptx
@@ -293,7 +293,7 @@
           <a:p>
             <a:fld id="{DCA9A4BC-79A2-4E3B-9AB4-8B1727CB4EA9}" type="datetimeFigureOut">
               <a:rPr lang="en-US" smtClean="0"/>
-              <a:t>1/19/2015</a:t>
+              <a:t>9/21/2015</a:t>
             </a:fld>
             <a:endParaRPr lang="en-US"/>
           </a:p>
@@ -463,7 +463,7 @@
           <a:p>
             <a:fld id="{DCA9A4BC-79A2-4E3B-9AB4-8B1727CB4EA9}" type="datetimeFigureOut">
               <a:rPr lang="en-US" smtClean="0"/>
-              <a:t>1/19/2015</a:t>
+              <a:t>9/21/2015</a:t>
             </a:fld>
             <a:endParaRPr lang="en-US"/>
           </a:p>
@@ -643,7 +643,7 @@
           <a:p>
             <a:fld id="{DCA9A4BC-79A2-4E3B-9AB4-8B1727CB4EA9}" type="datetimeFigureOut">
               <a:rPr lang="en-US" smtClean="0"/>
-              <a:t>1/19/2015</a:t>
+              <a:t>9/21/2015</a:t>
             </a:fld>
             <a:endParaRPr lang="en-US"/>
           </a:p>
@@ -813,7 +813,7 @@
           <a:p>
             <a:fld id="{DCA9A4BC-79A2-4E3B-9AB4-8B1727CB4EA9}" type="datetimeFigureOut">
               <a:rPr lang="en-US" smtClean="0"/>
-              <a:t>1/19/2015</a:t>
+              <a:t>9/21/2015</a:t>
             </a:fld>
             <a:endParaRPr lang="en-US"/>
           </a:p>
@@ -1059,7 +1059,7 @@
           <a:p>
             <a:fld id="{DCA9A4BC-79A2-4E3B-9AB4-8B1727CB4EA9}" type="datetimeFigureOut">
               <a:rPr lang="en-US" smtClean="0"/>
-              <a:t>1/19/2015</a:t>
+              <a:t>9/21/2015</a:t>
             </a:fld>
             <a:endParaRPr lang="en-US"/>
           </a:p>
@@ -1347,7 +1347,7 @@
           <a:p>
             <a:fld id="{DCA9A4BC-79A2-4E3B-9AB4-8B1727CB4EA9}" type="datetimeFigureOut">
               <a:rPr lang="en-US" smtClean="0"/>
-              <a:t>1/19/2015</a:t>
+              <a:t>9/21/2015</a:t>
             </a:fld>
             <a:endParaRPr lang="en-US"/>
           </a:p>
@@ -1769,7 +1769,7 @@
           <a:p>
             <a:fld id="{DCA9A4BC-79A2-4E3B-9AB4-8B1727CB4EA9}" type="datetimeFigureOut">
               <a:rPr lang="en-US" smtClean="0"/>
-              <a:t>1/19/2015</a:t>
+              <a:t>9/21/2015</a:t>
             </a:fld>
             <a:endParaRPr lang="en-US"/>
           </a:p>
@@ -1887,7 +1887,7 @@
           <a:p>
             <a:fld id="{DCA9A4BC-79A2-4E3B-9AB4-8B1727CB4EA9}" type="datetimeFigureOut">
               <a:rPr lang="en-US" smtClean="0"/>
-              <a:t>1/19/2015</a:t>
+              <a:t>9/21/2015</a:t>
             </a:fld>
             <a:endParaRPr lang="en-US"/>
           </a:p>
@@ -1982,7 +1982,7 @@
           <a:p>
             <a:fld id="{DCA9A4BC-79A2-4E3B-9AB4-8B1727CB4EA9}" type="datetimeFigureOut">
               <a:rPr lang="en-US" smtClean="0"/>
-              <a:t>1/19/2015</a:t>
+              <a:t>9/21/2015</a:t>
             </a:fld>
             <a:endParaRPr lang="en-US"/>
           </a:p>
@@ -2259,7 +2259,7 @@
           <a:p>
             <a:fld id="{DCA9A4BC-79A2-4E3B-9AB4-8B1727CB4EA9}" type="datetimeFigureOut">
               <a:rPr lang="en-US" smtClean="0"/>
-              <a:t>1/19/2015</a:t>
+              <a:t>9/21/2015</a:t>
             </a:fld>
             <a:endParaRPr lang="en-US"/>
           </a:p>
@@ -2512,7 +2512,7 @@
           <a:p>
             <a:fld id="{DCA9A4BC-79A2-4E3B-9AB4-8B1727CB4EA9}" type="datetimeFigureOut">
               <a:rPr lang="en-US" smtClean="0"/>
-              <a:t>1/19/2015</a:t>
+              <a:t>9/21/2015</a:t>
             </a:fld>
             <a:endParaRPr lang="en-US"/>
           </a:p>
@@ -2725,7 +2725,7 @@
           <a:p>
             <a:fld id="{DCA9A4BC-79A2-4E3B-9AB4-8B1727CB4EA9}" type="datetimeFigureOut">
               <a:rPr lang="en-US" smtClean="0"/>
-              <a:t>1/19/2015</a:t>
+              <a:t>9/21/2015</a:t>
             </a:fld>
             <a:endParaRPr lang="en-US"/>
           </a:p>
@@ -3112,7 +3112,7 @@
         </p:nvSpPr>
         <p:spPr>
           <a:xfrm>
-            <a:off x="609600" y="1295400"/>
+            <a:off x="609600" y="1143000"/>
             <a:ext cx="7902575" cy="2209800"/>
           </a:xfrm>
         </p:spPr>
@@ -3123,12 +3123,8 @@
           <a:lstStyle/>
           <a:p>
             <a:r>
-              <a:rPr lang="en-US" sz="6600" b="1" dirty="0" smtClean="0"/>
-              <a:t>    </a:t>
-            </a:r>
-            <a:r>
               <a:rPr lang="en-US" sz="6600" b="1" dirty="0" err="1" smtClean="0"/>
-              <a:t>Truthcoin</a:t>
+              <a:t>Hivemind</a:t>
             </a:r>
             <a:r>
               <a:rPr lang="en-US" sz="6600" dirty="0" smtClean="0"/>
@@ -3172,7 +3168,7 @@
         <p:spPr>
           <a:xfrm>
             <a:off x="457200" y="3733800"/>
-            <a:ext cx="4921250" cy="2679065"/>
+            <a:ext cx="4876800" cy="2679065"/>
           </a:xfrm>
         </p:spPr>
         <p:txBody>
@@ -3216,7 +3212,11 @@
             <a:pPr lvl="1" algn="l"/>
             <a:r>
               <a:rPr lang="en-US" sz="2000" dirty="0" smtClean="0"/>
-              <a:t>  ( #1 story weekend of May 3</a:t>
+              <a:t>  ( #1 story weekend of May </a:t>
+            </a:r>
+            <a:r>
+              <a:rPr lang="en-US" sz="2000" dirty="0" smtClean="0"/>
+              <a:t>3</a:t>
             </a:r>
             <a:r>
               <a:rPr lang="en-US" sz="2000" baseline="30000" dirty="0" smtClean="0"/>
@@ -3224,8 +3224,9 @@
             </a:r>
             <a:r>
               <a:rPr lang="en-US" sz="2000" dirty="0" smtClean="0"/>
-              <a:t>)</a:t>
-            </a:r>
+              <a:t>2014)</a:t>
+            </a:r>
+            <a:endParaRPr lang="en-US" sz="2000" dirty="0" smtClean="0"/>
           </a:p>
           <a:p>
             <a:pPr marL="457200" indent="-457200" algn="l">
@@ -3279,7 +3280,15 @@
             <a:pPr algn="l"/>
             <a:r>
               <a:rPr lang="en-US" sz="2400" dirty="0" smtClean="0"/>
-              <a:t>         ( September 9 Headline Presenter )</a:t>
+              <a:t>         ( </a:t>
+            </a:r>
+            <a:r>
+              <a:rPr lang="en-US" sz="2400" dirty="0" smtClean="0"/>
+              <a:t>Sept 9, 2014 </a:t>
+            </a:r>
+            <a:r>
+              <a:rPr lang="en-US" sz="2400" dirty="0" smtClean="0"/>
+              <a:t>Headline Presenter )</a:t>
             </a:r>
           </a:p>
           <a:p>
@@ -4520,7 +4529,19 @@
           <a:p>
             <a:r>
               <a:rPr lang="en-US" sz="5400" dirty="0" smtClean="0"/>
-              <a:t>How is Truthcoin Different?</a:t>
+              <a:t>How is </a:t>
+            </a:r>
+            <a:r>
+              <a:rPr lang="en-US" sz="5400" dirty="0" err="1" smtClean="0"/>
+              <a:t>Hivemind</a:t>
+            </a:r>
+            <a:r>
+              <a:rPr lang="en-US" sz="5400" dirty="0" smtClean="0"/>
+              <a:t> </a:t>
+            </a:r>
+            <a:r>
+              <a:rPr lang="en-US" sz="5400" dirty="0" smtClean="0"/>
+              <a:t>Different?</a:t>
             </a:r>
             <a:br>
               <a:rPr lang="en-US" sz="5400" dirty="0" smtClean="0"/>
@@ -6960,14 +6981,14 @@
       </p:grpSpPr>
       <p:sp>
         <p:nvSpPr>
-          <p:cNvPr id="22" name="TextBox 21"/>
+          <p:cNvPr id="24" name="TextBox 23"/>
           <p:cNvSpPr txBox="1"/>
           <p:nvPr/>
         </p:nvSpPr>
         <p:spPr>
           <a:xfrm>
-            <a:off x="6629400" y="4935141"/>
-            <a:ext cx="2438400" cy="1846659"/>
+            <a:off x="6477000" y="4935141"/>
+            <a:ext cx="2590800" cy="1862048"/>
           </a:xfrm>
           <a:prstGeom prst="rect">
             <a:avLst/>
@@ -6975,6 +6996,222 @@
           <a:solidFill>
             <a:schemeClr val="tx1"/>
           </a:solidFill>
+        </p:spPr>
+        <p:txBody>
+          <a:bodyPr wrap="square" rtlCol="0">
+            <a:spAutoFit/>
+          </a:bodyPr>
+          <a:lstStyle/>
+          <a:p>
+            <a:pPr algn="ctr"/>
+            <a:r>
+              <a:rPr lang="en-US" sz="11500" b="1" dirty="0" smtClean="0">
+                <a:ln w="18000">
+                  <a:solidFill>
+                    <a:schemeClr val="accent2">
+                      <a:satMod val="140000"/>
+                    </a:schemeClr>
+                  </a:solidFill>
+                  <a:prstDash val="solid"/>
+                  <a:miter lim="800000"/>
+                </a:ln>
+                <a:noFill/>
+                <a:effectLst>
+                  <a:outerShdw blurRad="25500" dist="23000" dir="7020000" algn="tl">
+                    <a:srgbClr val="000000">
+                      <a:alpha val="50000"/>
+                    </a:srgbClr>
+                  </a:outerShdw>
+                </a:effectLst>
+                <a:latin typeface="Arial Black" pitchFamily="34" charset="0"/>
+              </a:rPr>
+              <a:t>     </a:t>
+            </a:r>
+            <a:endParaRPr lang="en-US" sz="1600" b="1" dirty="0">
+              <a:ln w="18000">
+                <a:solidFill>
+                  <a:schemeClr val="accent2">
+                    <a:satMod val="140000"/>
+                  </a:schemeClr>
+                </a:solidFill>
+                <a:prstDash val="solid"/>
+                <a:miter lim="800000"/>
+              </a:ln>
+              <a:noFill/>
+              <a:effectLst>
+                <a:outerShdw blurRad="25500" dist="23000" dir="7020000" algn="tl">
+                  <a:srgbClr val="000000">
+                    <a:alpha val="50000"/>
+                  </a:srgbClr>
+                </a:outerShdw>
+              </a:effectLst>
+              <a:latin typeface="Arial Black" pitchFamily="34" charset="0"/>
+            </a:endParaRPr>
+          </a:p>
+        </p:txBody>
+      </p:sp>
+      <p:sp>
+        <p:nvSpPr>
+          <p:cNvPr id="25" name="Hexagon 24"/>
+          <p:cNvSpPr/>
+          <p:nvPr/>
+        </p:nvSpPr>
+        <p:spPr>
+          <a:xfrm rot="5400000">
+            <a:off x="7883006" y="5902076"/>
+            <a:ext cx="723511" cy="636302"/>
+          </a:xfrm>
+          <a:prstGeom prst="hexagon">
+            <a:avLst/>
+          </a:prstGeom>
+          <a:noFill/>
+          <a:ln w="76200">
+            <a:solidFill>
+              <a:schemeClr val="accent6">
+                <a:shade val="50000"/>
+                <a:alpha val="50000"/>
+              </a:schemeClr>
+            </a:solidFill>
+          </a:ln>
+        </p:spPr>
+        <p:style>
+          <a:lnRef idx="2">
+            <a:schemeClr val="accent6">
+              <a:shade val="50000"/>
+            </a:schemeClr>
+          </a:lnRef>
+          <a:fillRef idx="1">
+            <a:schemeClr val="accent6"/>
+          </a:fillRef>
+          <a:effectRef idx="0">
+            <a:schemeClr val="accent6"/>
+          </a:effectRef>
+          <a:fontRef idx="minor">
+            <a:schemeClr val="lt1"/>
+          </a:fontRef>
+        </p:style>
+        <p:txBody>
+          <a:bodyPr rtlCol="0" anchor="ctr"/>
+          <a:lstStyle/>
+          <a:p>
+            <a:pPr algn="ctr"/>
+            <a:endParaRPr lang="en-US"/>
+          </a:p>
+        </p:txBody>
+      </p:sp>
+      <p:sp>
+        <p:nvSpPr>
+          <p:cNvPr id="32" name="Hexagon 31"/>
+          <p:cNvSpPr/>
+          <p:nvPr/>
+        </p:nvSpPr>
+        <p:spPr>
+          <a:xfrm rot="5400000">
+            <a:off x="7410644" y="5178565"/>
+            <a:ext cx="723511" cy="636302"/>
+          </a:xfrm>
+          <a:prstGeom prst="hexagon">
+            <a:avLst/>
+          </a:prstGeom>
+          <a:noFill/>
+          <a:ln w="76200">
+            <a:solidFill>
+              <a:schemeClr val="accent6">
+                <a:shade val="50000"/>
+                <a:alpha val="50000"/>
+              </a:schemeClr>
+            </a:solidFill>
+          </a:ln>
+        </p:spPr>
+        <p:style>
+          <a:lnRef idx="2">
+            <a:schemeClr val="accent6">
+              <a:shade val="50000"/>
+            </a:schemeClr>
+          </a:lnRef>
+          <a:fillRef idx="1">
+            <a:schemeClr val="accent6"/>
+          </a:fillRef>
+          <a:effectRef idx="0">
+            <a:schemeClr val="accent6"/>
+          </a:effectRef>
+          <a:fontRef idx="minor">
+            <a:schemeClr val="lt1"/>
+          </a:fontRef>
+        </p:style>
+        <p:txBody>
+          <a:bodyPr rtlCol="0" anchor="ctr"/>
+          <a:lstStyle/>
+          <a:p>
+            <a:pPr algn="ctr"/>
+            <a:endParaRPr lang="en-US"/>
+          </a:p>
+        </p:txBody>
+      </p:sp>
+      <p:sp>
+        <p:nvSpPr>
+          <p:cNvPr id="5" name="Hexagon 4"/>
+          <p:cNvSpPr/>
+          <p:nvPr/>
+        </p:nvSpPr>
+        <p:spPr>
+          <a:xfrm rot="5400000">
+            <a:off x="6940093" y="5897388"/>
+            <a:ext cx="723511" cy="636302"/>
+          </a:xfrm>
+          <a:prstGeom prst="hexagon">
+            <a:avLst/>
+          </a:prstGeom>
+          <a:noFill/>
+          <a:ln w="76200">
+            <a:solidFill>
+              <a:schemeClr val="accent6">
+                <a:shade val="50000"/>
+                <a:alpha val="50000"/>
+              </a:schemeClr>
+            </a:solidFill>
+          </a:ln>
+        </p:spPr>
+        <p:style>
+          <a:lnRef idx="2">
+            <a:schemeClr val="accent6">
+              <a:shade val="50000"/>
+            </a:schemeClr>
+          </a:lnRef>
+          <a:fillRef idx="1">
+            <a:schemeClr val="accent6"/>
+          </a:fillRef>
+          <a:effectRef idx="0">
+            <a:schemeClr val="accent6"/>
+          </a:effectRef>
+          <a:fontRef idx="minor">
+            <a:schemeClr val="lt1"/>
+          </a:fontRef>
+        </p:style>
+        <p:txBody>
+          <a:bodyPr rtlCol="0" anchor="ctr"/>
+          <a:lstStyle/>
+          <a:p>
+            <a:pPr algn="ctr"/>
+            <a:endParaRPr lang="en-US"/>
+          </a:p>
+        </p:txBody>
+      </p:sp>
+      <p:sp>
+        <p:nvSpPr>
+          <p:cNvPr id="22" name="TextBox 21"/>
+          <p:cNvSpPr txBox="1"/>
+          <p:nvPr/>
+        </p:nvSpPr>
+        <p:spPr>
+          <a:xfrm>
+            <a:off x="6629400" y="4935141"/>
+            <a:ext cx="2362200" cy="1846659"/>
+          </a:xfrm>
+          <a:prstGeom prst="rect">
+            <a:avLst/>
+          </a:prstGeom>
+          <a:noFill/>
         </p:spPr>
         <p:txBody>
           <a:bodyPr wrap="square" rtlCol="0">
@@ -7069,15 +7306,13 @@
         </p:nvSpPr>
         <p:spPr>
           <a:xfrm>
-            <a:off x="6858000" y="5620941"/>
-            <a:ext cx="2099934" cy="369332"/>
+            <a:off x="6605587" y="5562600"/>
+            <a:ext cx="2462213" cy="400110"/>
           </a:xfrm>
           <a:prstGeom prst="rect">
             <a:avLst/>
           </a:prstGeom>
-          <a:solidFill>
-            <a:schemeClr val="tx1"/>
-          </a:solidFill>
+          <a:noFill/>
         </p:spPr>
         <p:txBody>
           <a:bodyPr wrap="none">
@@ -7087,12 +7322,25 @@
           <a:p>
             <a:pPr algn="ctr"/>
             <a:r>
-              <a:rPr lang="en-US" dirty="0">
-                <a:hlinkClick r:id="rId2" action="ppaction://hlinkfile"/>
+              <a:rPr lang="en-US" sz="2000" b="1" dirty="0" smtClean="0">
+                <a:solidFill>
+                  <a:schemeClr val="tx2">
+                    <a:lumMod val="60000"/>
+                    <a:lumOff val="40000"/>
+                  </a:schemeClr>
+                </a:solidFill>
+                <a:hlinkClick r:id="rId2"/>
               </a:rPr>
-              <a:t>forum.truthcoin.info</a:t>
-            </a:r>
-            <a:endParaRPr lang="en-US" dirty="0"/>
+              <a:t>BitcoinHivemind.com</a:t>
+            </a:r>
+            <a:endParaRPr lang="en-US" sz="2000" b="1" dirty="0">
+              <a:solidFill>
+                <a:schemeClr val="tx2">
+                  <a:lumMod val="60000"/>
+                  <a:lumOff val="40000"/>
+                </a:schemeClr>
+              </a:solidFill>
+            </a:endParaRPr>
           </a:p>
         </p:txBody>
       </p:sp>
